--- a/presentations/01_ethics.pptx
+++ b/presentations/01_ethics.pptx
@@ -5,7 +5,7 @@
     <p:sldMasterId id="2147483648" r:id="rId1"/>
   </p:sldMasterIdLst>
   <p:notesMasterIdLst>
-    <p:notesMasterId r:id="rId35"/>
+    <p:notesMasterId r:id="rId34"/>
   </p:notesMasterIdLst>
   <p:sldIdLst>
     <p:sldId id="333" r:id="rId2"/>
@@ -36,11 +36,10 @@
     <p:sldId id="301" r:id="rId27"/>
     <p:sldId id="302" r:id="rId28"/>
     <p:sldId id="304" r:id="rId29"/>
-    <p:sldId id="311" r:id="rId30"/>
-    <p:sldId id="328" r:id="rId31"/>
-    <p:sldId id="323" r:id="rId32"/>
-    <p:sldId id="306" r:id="rId33"/>
-    <p:sldId id="308" r:id="rId34"/>
+    <p:sldId id="328" r:id="rId30"/>
+    <p:sldId id="323" r:id="rId31"/>
+    <p:sldId id="306" r:id="rId32"/>
+    <p:sldId id="308" r:id="rId33"/>
   </p:sldIdLst>
   <p:sldSz cx="12192000" cy="6858000"/>
   <p:notesSz cx="6858000" cy="9144000"/>
@@ -240,7 +239,7 @@
           <a:p>
             <a:fld id="{FD93C9B2-20F6-4DB1-B471-224337D0AC79}" type="datetimeFigureOut">
               <a:rPr lang="en-US" smtClean="0"/>
-              <a:t>1/24/2022</a:t>
+              <a:t>8/5/2022</a:t>
             </a:fld>
             <a:endParaRPr lang="en-US"/>
           </a:p>
@@ -3836,6 +3835,84 @@
           <a:bodyPr/>
           <a:lstStyle/>
           <a:p>
+            <a:pPr marL="0" marR="0" lvl="0" indent="0" algn="l" defTabSz="914400" rtl="0" eaLnBrk="1" fontAlgn="auto" latinLnBrk="0" hangingPunct="1">
+              <a:lnSpc>
+                <a:spcPct val="100000"/>
+              </a:lnSpc>
+              <a:spcBef>
+                <a:spcPts val="0"/>
+              </a:spcBef>
+              <a:spcAft>
+                <a:spcPts val="0"/>
+              </a:spcAft>
+              <a:buClrTx/>
+              <a:buSzTx/>
+              <a:buFontTx/>
+              <a:buNone/>
+              <a:tabLst/>
+              <a:defRPr/>
+            </a:pPr>
+            <a:r>
+              <a:rPr lang="en-US" dirty="0"/>
+              <a:t>An important idea when making decisions about studies with unknown risk is </a:t>
+            </a:r>
+            <a:r>
+              <a:rPr lang="en-US" i="1" dirty="0"/>
+              <a:t>power analysis</a:t>
+            </a:r>
+            <a:r>
+              <a:rPr lang="en-US" i="0" dirty="0"/>
+              <a:t>, which allows researchers to calculate the sample size they will need to reliably detect an effect of a given size (Cohen 1988). Even though some researchers are obsessed with making studies as big as possible, research ethics suggests that researchers should make the studies as small as possible.  Power analysis is not new, of course, but there is an important difference between the way it was used in the analog age and how it should be used today.  In the analog age, researchers generally did power analysis to make sure that their study was not too small (i.e. under-powered).  Now, however, researchers should do power analysis to make sure that their study is not too big (over-powered).</a:t>
+            </a:r>
+          </a:p>
+          <a:p>
+            <a:pPr marL="0" marR="0" lvl="0" indent="0" algn="l" defTabSz="914400" rtl="0" eaLnBrk="1" fontAlgn="auto" latinLnBrk="0" hangingPunct="1">
+              <a:lnSpc>
+                <a:spcPct val="100000"/>
+              </a:lnSpc>
+              <a:spcBef>
+                <a:spcPts val="0"/>
+              </a:spcBef>
+              <a:spcAft>
+                <a:spcPts val="0"/>
+              </a:spcAft>
+              <a:buClrTx/>
+              <a:buSzTx/>
+              <a:buFontTx/>
+              <a:buNone/>
+              <a:tabLst/>
+              <a:defRPr/>
+            </a:pPr>
+            <a:endParaRPr lang="en-US" i="0" dirty="0"/>
+          </a:p>
+          <a:p>
+            <a:pPr marL="0" marR="0" lvl="0" indent="0" algn="l" defTabSz="914400" rtl="0" eaLnBrk="1" fontAlgn="auto" latinLnBrk="0" hangingPunct="1">
+              <a:lnSpc>
+                <a:spcPct val="100000"/>
+              </a:lnSpc>
+              <a:spcBef>
+                <a:spcPts val="0"/>
+              </a:spcBef>
+              <a:spcAft>
+                <a:spcPts val="0"/>
+              </a:spcAft>
+              <a:buClrTx/>
+              <a:buSzTx/>
+              <a:buFontTx/>
+              <a:buNone/>
+              <a:tabLst/>
+              <a:defRPr/>
+            </a:pPr>
+            <a:r>
+              <a:rPr lang="en-US" i="1" dirty="0"/>
+              <a:t>Bit by Bit, </a:t>
+            </a:r>
+            <a:r>
+              <a:rPr lang="en-US" i="0" dirty="0"/>
+              <a:t>Salganik, p. 319.</a:t>
+            </a:r>
+          </a:p>
+          <a:p>
             <a:endParaRPr lang="en-US" dirty="0"/>
           </a:p>
         </p:txBody>
@@ -3866,7 +3943,7 @@
     </p:spTree>
     <p:extLst>
       <p:ext uri="{BB962C8B-B14F-4D97-AF65-F5344CB8AC3E}">
-        <p14:creationId xmlns:p14="http://schemas.microsoft.com/office/powerpoint/2010/main" val="251584934"/>
+        <p14:creationId xmlns:p14="http://schemas.microsoft.com/office/powerpoint/2010/main" val="2861658303"/>
       </p:ext>
     </p:extLst>
   </p:cSld>
@@ -4046,81 +4123,9 @@
           <a:bodyPr/>
           <a:lstStyle/>
           <a:p>
-            <a:pPr marL="0" marR="0" lvl="0" indent="0" algn="l" defTabSz="914400" rtl="0" eaLnBrk="1" fontAlgn="auto" latinLnBrk="0" hangingPunct="1">
-              <a:lnSpc>
-                <a:spcPct val="100000"/>
-              </a:lnSpc>
-              <a:spcBef>
-                <a:spcPts val="0"/>
-              </a:spcBef>
-              <a:spcAft>
-                <a:spcPts val="0"/>
-              </a:spcAft>
-              <a:buClrTx/>
-              <a:buSzTx/>
-              <a:buFontTx/>
-              <a:buNone/>
-              <a:tabLst/>
-              <a:defRPr/>
-            </a:pPr>
             <a:r>
               <a:rPr lang="en-US" dirty="0"/>
-              <a:t>An important idea when making decisions about studies with unknown risk is </a:t>
-            </a:r>
-            <a:r>
-              <a:rPr lang="en-US" i="1" dirty="0"/>
-              <a:t>power analysis</a:t>
-            </a:r>
-            <a:r>
-              <a:rPr lang="en-US" i="0" dirty="0"/>
-              <a:t>, which allows researchers to calculate the sample size they will need to reliably detect an effect of a given size (Cohen 1988). Even though some researchers are obsessed with making studies as big as possible, research ethics suggests that researchers should make the studies as small as possible.  Power analysis is not new, of course, but there is an important difference between the way it was used in the analog age and how it should be used today.  In the analog age, researchers generally did power analysis to make sure that their study was not too small (i.e. under-powered).  Now, however, researchers should do power analysis to make sure that their study is not too big (over-powered).</a:t>
-            </a:r>
-          </a:p>
-          <a:p>
-            <a:pPr marL="0" marR="0" lvl="0" indent="0" algn="l" defTabSz="914400" rtl="0" eaLnBrk="1" fontAlgn="auto" latinLnBrk="0" hangingPunct="1">
-              <a:lnSpc>
-                <a:spcPct val="100000"/>
-              </a:lnSpc>
-              <a:spcBef>
-                <a:spcPts val="0"/>
-              </a:spcBef>
-              <a:spcAft>
-                <a:spcPts val="0"/>
-              </a:spcAft>
-              <a:buClrTx/>
-              <a:buSzTx/>
-              <a:buFontTx/>
-              <a:buNone/>
-              <a:tabLst/>
-              <a:defRPr/>
-            </a:pPr>
-            <a:endParaRPr lang="en-US" i="0" dirty="0"/>
-          </a:p>
-          <a:p>
-            <a:pPr marL="0" marR="0" lvl="0" indent="0" algn="l" defTabSz="914400" rtl="0" eaLnBrk="1" fontAlgn="auto" latinLnBrk="0" hangingPunct="1">
-              <a:lnSpc>
-                <a:spcPct val="100000"/>
-              </a:lnSpc>
-              <a:spcBef>
-                <a:spcPts val="0"/>
-              </a:spcBef>
-              <a:spcAft>
-                <a:spcPts val="0"/>
-              </a:spcAft>
-              <a:buClrTx/>
-              <a:buSzTx/>
-              <a:buFontTx/>
-              <a:buNone/>
-              <a:tabLst/>
-              <a:defRPr/>
-            </a:pPr>
-            <a:r>
-              <a:rPr lang="en-US" i="1" dirty="0"/>
-              <a:t>Bit by Bit, </a:t>
-            </a:r>
-            <a:r>
-              <a:rPr lang="en-US" i="0" dirty="0"/>
-              <a:t>Salganik, p. 319.</a:t>
+              <a:t>The typical lifecycle of an AI / machine learning project looks something like this.  At each step, consider the entire AI system, including the social context in which it operates.  As we have already discussed ethical concerns from both a model (algorithm) and data perspective, let’s step back briefly and end with some practical guidelines applicable to the entire project, from both a deontological and consequentialist perspective.</a:t>
             </a:r>
           </a:p>
           <a:p>
@@ -4154,7 +4159,7 @@
     </p:spTree>
     <p:extLst>
       <p:ext uri="{BB962C8B-B14F-4D97-AF65-F5344CB8AC3E}">
-        <p14:creationId xmlns:p14="http://schemas.microsoft.com/office/powerpoint/2010/main" val="2861658303"/>
+        <p14:creationId xmlns:p14="http://schemas.microsoft.com/office/powerpoint/2010/main" val="1313138859"/>
       </p:ext>
     </p:extLst>
   </p:cSld>
@@ -4210,7 +4215,28 @@
           <a:p>
             <a:r>
               <a:rPr lang="en-US" dirty="0"/>
-              <a:t>The typical lifecycle of an AI / machine learning project looks something like this.  At each step, consider the entire AI system, including the social context in which it operates.  As we have already discussed ethical concerns from both a model (algorithm) and data perspective, let’s step back briefly and end with some practical guidelines applicable to the entire project, from both a deontological and consequentialist perspective.</a:t>
+              <a:t>Short Link</a:t>
+            </a:r>
+          </a:p>
+          <a:p>
+            <a:r>
+              <a:rPr lang="en-US" dirty="0"/>
+              <a:t>https://bit.ly/3HoHcVe</a:t>
+            </a:r>
+          </a:p>
+          <a:p>
+            <a:endParaRPr lang="en-US" dirty="0"/>
+          </a:p>
+          <a:p>
+            <a:r>
+              <a:rPr lang="en-US" dirty="0"/>
+              <a:t>Original Link</a:t>
+            </a:r>
+          </a:p>
+          <a:p>
+            <a:r>
+              <a:rPr lang="en-US" dirty="0"/>
+              <a:t>https://docs.google.com/document/d/1fmYbVVM4wqZsk_klB1RW2jXBSTHeBdOBghV9nHyAbwc/edit</a:t>
             </a:r>
           </a:p>
           <a:p>
@@ -4244,7 +4270,7 @@
     </p:spTree>
     <p:extLst>
       <p:ext uri="{BB962C8B-B14F-4D97-AF65-F5344CB8AC3E}">
-        <p14:creationId xmlns:p14="http://schemas.microsoft.com/office/powerpoint/2010/main" val="1313138859"/>
+        <p14:creationId xmlns:p14="http://schemas.microsoft.com/office/powerpoint/2010/main" val="1503134038"/>
       </p:ext>
     </p:extLst>
   </p:cSld>
@@ -4306,7 +4332,7 @@
           <a:p>
             <a:r>
               <a:rPr lang="en-US" dirty="0"/>
-              <a:t>https://bit.ly/3HoHcVe</a:t>
+              <a:t>https://bit.ly/30x2wXR</a:t>
             </a:r>
           </a:p>
           <a:p>
@@ -4321,11 +4347,8 @@
           <a:p>
             <a:r>
               <a:rPr lang="en-US" dirty="0"/>
-              <a:t>https://docs.google.com/document/d/1fmYbVVM4wqZsk_klB1RW2jXBSTHeBdOBghV9nHyAbwc/edit</a:t>
-            </a:r>
-          </a:p>
-          <a:p>
-            <a:endParaRPr lang="en-US" dirty="0"/>
+              <a:t>https://docs.google.com/document/d/1Lycn08UI5mZsn44prBFe3N8VhW8kwJhP4BJBWlXxjOo/edit</a:t>
+            </a:r>
           </a:p>
         </p:txBody>
       </p:sp>
@@ -4347,114 +4370,6 @@
             <a:fld id="{3148858F-F1DB-4027-9C85-CCA6849540DD}" type="slidenum">
               <a:rPr lang="en-US" smtClean="0"/>
               <a:t>32</a:t>
-            </a:fld>
-            <a:endParaRPr lang="en-US"/>
-          </a:p>
-        </p:txBody>
-      </p:sp>
-    </p:spTree>
-    <p:extLst>
-      <p:ext uri="{BB962C8B-B14F-4D97-AF65-F5344CB8AC3E}">
-        <p14:creationId xmlns:p14="http://schemas.microsoft.com/office/powerpoint/2010/main" val="1503134038"/>
-      </p:ext>
-    </p:extLst>
-  </p:cSld>
-  <p:clrMapOvr>
-    <a:masterClrMapping/>
-  </p:clrMapOvr>
-</p:notes>
-</file>
-
-<file path=ppt/notesSlides/notesSlide33.xml><?xml version="1.0" encoding="utf-8"?>
-<p:notes xmlns:a="http://schemas.openxmlformats.org/drawingml/2006/main" xmlns:r="http://schemas.openxmlformats.org/officeDocument/2006/relationships" xmlns:p="http://schemas.openxmlformats.org/presentationml/2006/main">
-  <p:cSld>
-    <p:spTree>
-      <p:nvGrpSpPr>
-        <p:cNvPr id="1" name=""/>
-        <p:cNvGrpSpPr/>
-        <p:nvPr/>
-      </p:nvGrpSpPr>
-      <p:grpSpPr>
-        <a:xfrm>
-          <a:off x="0" y="0"/>
-          <a:ext cx="0" cy="0"/>
-          <a:chOff x="0" y="0"/>
-          <a:chExt cx="0" cy="0"/>
-        </a:xfrm>
-      </p:grpSpPr>
-      <p:sp>
-        <p:nvSpPr>
-          <p:cNvPr id="2" name="Slide Image Placeholder 1"/>
-          <p:cNvSpPr>
-            <a:spLocks noGrp="1" noRot="1" noChangeAspect="1"/>
-          </p:cNvSpPr>
-          <p:nvPr>
-            <p:ph type="sldImg"/>
-          </p:nvPr>
-        </p:nvSpPr>
-        <p:spPr/>
-      </p:sp>
-      <p:sp>
-        <p:nvSpPr>
-          <p:cNvPr id="3" name="Notes Placeholder 2"/>
-          <p:cNvSpPr>
-            <a:spLocks noGrp="1"/>
-          </p:cNvSpPr>
-          <p:nvPr>
-            <p:ph type="body" idx="1"/>
-          </p:nvPr>
-        </p:nvSpPr>
-        <p:spPr/>
-        <p:txBody>
-          <a:bodyPr/>
-          <a:lstStyle/>
-          <a:p>
-            <a:r>
-              <a:rPr lang="en-US" dirty="0"/>
-              <a:t>Short Link</a:t>
-            </a:r>
-          </a:p>
-          <a:p>
-            <a:r>
-              <a:rPr lang="en-US" dirty="0"/>
-              <a:t>https://bit.ly/30x2wXR</a:t>
-            </a:r>
-          </a:p>
-          <a:p>
-            <a:endParaRPr lang="en-US" dirty="0"/>
-          </a:p>
-          <a:p>
-            <a:r>
-              <a:rPr lang="en-US" dirty="0"/>
-              <a:t>Original Link</a:t>
-            </a:r>
-          </a:p>
-          <a:p>
-            <a:r>
-              <a:rPr lang="en-US" dirty="0"/>
-              <a:t>https://docs.google.com/document/d/1Lycn08UI5mZsn44prBFe3N8VhW8kwJhP4BJBWlXxjOo/edit</a:t>
-            </a:r>
-          </a:p>
-        </p:txBody>
-      </p:sp>
-      <p:sp>
-        <p:nvSpPr>
-          <p:cNvPr id="4" name="Slide Number Placeholder 3"/>
-          <p:cNvSpPr>
-            <a:spLocks noGrp="1"/>
-          </p:cNvSpPr>
-          <p:nvPr>
-            <p:ph type="sldNum" sz="quarter" idx="5"/>
-          </p:nvPr>
-        </p:nvSpPr>
-        <p:spPr/>
-        <p:txBody>
-          <a:bodyPr/>
-          <a:lstStyle/>
-          <a:p>
-            <a:fld id="{3148858F-F1DB-4027-9C85-CCA6849540DD}" type="slidenum">
-              <a:rPr lang="en-US" smtClean="0"/>
-              <a:t>33</a:t>
             </a:fld>
             <a:endParaRPr lang="en-US"/>
           </a:p>
@@ -5738,7 +5653,7 @@
           <a:p>
             <a:fld id="{C3F78080-8D0A-4BE8-A5B4-CB115102D524}" type="datetimeFigureOut">
               <a:rPr lang="en-US" smtClean="0"/>
-              <a:t>1/24/2022</a:t>
+              <a:t>8/5/2022</a:t>
             </a:fld>
             <a:endParaRPr lang="en-US"/>
           </a:p>
@@ -5936,7 +5851,7 @@
           <a:p>
             <a:fld id="{C3F78080-8D0A-4BE8-A5B4-CB115102D524}" type="datetimeFigureOut">
               <a:rPr lang="en-US" smtClean="0"/>
-              <a:t>1/24/2022</a:t>
+              <a:t>8/5/2022</a:t>
             </a:fld>
             <a:endParaRPr lang="en-US"/>
           </a:p>
@@ -6144,7 +6059,7 @@
           <a:p>
             <a:fld id="{C3F78080-8D0A-4BE8-A5B4-CB115102D524}" type="datetimeFigureOut">
               <a:rPr lang="en-US" smtClean="0"/>
-              <a:t>1/24/2022</a:t>
+              <a:t>8/5/2022</a:t>
             </a:fld>
             <a:endParaRPr lang="en-US"/>
           </a:p>
@@ -6342,7 +6257,7 @@
           <a:p>
             <a:fld id="{C3F78080-8D0A-4BE8-A5B4-CB115102D524}" type="datetimeFigureOut">
               <a:rPr lang="en-US" smtClean="0"/>
-              <a:t>1/24/2022</a:t>
+              <a:t>8/5/2022</a:t>
             </a:fld>
             <a:endParaRPr lang="en-US"/>
           </a:p>
@@ -6617,7 +6532,7 @@
           <a:p>
             <a:fld id="{C3F78080-8D0A-4BE8-A5B4-CB115102D524}" type="datetimeFigureOut">
               <a:rPr lang="en-US" smtClean="0"/>
-              <a:t>1/24/2022</a:t>
+              <a:t>8/5/2022</a:t>
             </a:fld>
             <a:endParaRPr lang="en-US"/>
           </a:p>
@@ -6882,7 +6797,7 @@
           <a:p>
             <a:fld id="{C3F78080-8D0A-4BE8-A5B4-CB115102D524}" type="datetimeFigureOut">
               <a:rPr lang="en-US" smtClean="0"/>
-              <a:t>1/24/2022</a:t>
+              <a:t>8/5/2022</a:t>
             </a:fld>
             <a:endParaRPr lang="en-US"/>
           </a:p>
@@ -7294,7 +7209,7 @@
           <a:p>
             <a:fld id="{C3F78080-8D0A-4BE8-A5B4-CB115102D524}" type="datetimeFigureOut">
               <a:rPr lang="en-US" smtClean="0"/>
-              <a:t>1/24/2022</a:t>
+              <a:t>8/5/2022</a:t>
             </a:fld>
             <a:endParaRPr lang="en-US"/>
           </a:p>
@@ -7435,7 +7350,7 @@
           <a:p>
             <a:fld id="{C3F78080-8D0A-4BE8-A5B4-CB115102D524}" type="datetimeFigureOut">
               <a:rPr lang="en-US" smtClean="0"/>
-              <a:t>1/24/2022</a:t>
+              <a:t>8/5/2022</a:t>
             </a:fld>
             <a:endParaRPr lang="en-US"/>
           </a:p>
@@ -7548,7 +7463,7 @@
           <a:p>
             <a:fld id="{C3F78080-8D0A-4BE8-A5B4-CB115102D524}" type="datetimeFigureOut">
               <a:rPr lang="en-US" smtClean="0"/>
-              <a:t>1/24/2022</a:t>
+              <a:t>8/5/2022</a:t>
             </a:fld>
             <a:endParaRPr lang="en-US"/>
           </a:p>
@@ -7859,7 +7774,7 @@
           <a:p>
             <a:fld id="{C3F78080-8D0A-4BE8-A5B4-CB115102D524}" type="datetimeFigureOut">
               <a:rPr lang="en-US" smtClean="0"/>
-              <a:t>1/24/2022</a:t>
+              <a:t>8/5/2022</a:t>
             </a:fld>
             <a:endParaRPr lang="en-US"/>
           </a:p>
@@ -8147,7 +8062,7 @@
           <a:p>
             <a:fld id="{C3F78080-8D0A-4BE8-A5B4-CB115102D524}" type="datetimeFigureOut">
               <a:rPr lang="en-US" smtClean="0"/>
-              <a:t>1/24/2022</a:t>
+              <a:t>8/5/2022</a:t>
             </a:fld>
             <a:endParaRPr lang="en-US"/>
           </a:p>
@@ -8388,7 +8303,7 @@
           <a:p>
             <a:fld id="{C3F78080-8D0A-4BE8-A5B4-CB115102D524}" type="datetimeFigureOut">
               <a:rPr lang="en-US" smtClean="0"/>
-              <a:t>1/24/2022</a:t>
+              <a:t>8/5/2022</a:t>
             </a:fld>
             <a:endParaRPr lang="en-US"/>
           </a:p>
@@ -13817,17 +13732,56 @@
           <a:chExt cx="0" cy="0"/>
         </a:xfrm>
       </p:grpSpPr>
+      <p:sp>
+        <p:nvSpPr>
+          <p:cNvPr id="4" name="Title 1">
+            <a:extLst>
+              <a:ext uri="{FF2B5EF4-FFF2-40B4-BE49-F238E27FC236}">
+                <a16:creationId xmlns:a16="http://schemas.microsoft.com/office/drawing/2014/main" id="{A9A9A585-179C-45FC-BE33-30F5057F2269}"/>
+              </a:ext>
+            </a:extLst>
+          </p:cNvPr>
+          <p:cNvSpPr>
+            <a:spLocks noGrp="1"/>
+          </p:cNvSpPr>
+          <p:nvPr>
+            <p:ph type="title"/>
+          </p:nvPr>
+        </p:nvSpPr>
+        <p:spPr>
+          <a:xfrm>
+            <a:off x="618697" y="365127"/>
+            <a:ext cx="10735103" cy="827416"/>
+          </a:xfrm>
+        </p:spPr>
+        <p:txBody>
+          <a:bodyPr>
+            <a:normAutofit/>
+          </a:bodyPr>
+          <a:lstStyle/>
+          <a:p>
+            <a:pPr algn="ctr"/>
+            <a:r>
+              <a:rPr lang="en-US" sz="3600" dirty="0">
+                <a:latin typeface="Palatino Linotype" panose="02040502050505030304" pitchFamily="18" charset="0"/>
+                <a:cs typeface="Segoe UI Light" panose="020B0502040204020203" pitchFamily="34" charset="0"/>
+              </a:rPr>
+              <a:t>Statistical Power &amp; Data Ethics</a:t>
+            </a:r>
+          </a:p>
+        </p:txBody>
+      </p:sp>
       <p:pic>
         <p:nvPicPr>
-          <p:cNvPr id="1026" name="Picture 2">
+          <p:cNvPr id="9" name="Picture 8" descr="Logo, icon&#10;&#10;Description automatically generated">
             <a:extLst>
               <a:ext uri="{FF2B5EF4-FFF2-40B4-BE49-F238E27FC236}">
-                <a16:creationId xmlns:a16="http://schemas.microsoft.com/office/drawing/2014/main" id="{ADF42002-E760-4B51-89C4-9FD1FCB9E555}"/>
+                <a16:creationId xmlns:a16="http://schemas.microsoft.com/office/drawing/2014/main" id="{B455383E-0A2A-4909-8A69-873EC60947ED}"/>
               </a:ext>
             </a:extLst>
           </p:cNvPr>
           <p:cNvPicPr>
-            <a:picLocks noChangeAspect="1" noChangeArrowheads="1"/>
+            <a:picLocks noChangeAspect="1"/>
           </p:cNvPicPr>
           <p:nvPr/>
         </p:nvPicPr>
@@ -13839,243 +13793,24 @@
               </a:ext>
             </a:extLst>
           </a:blip>
-          <a:srcRect/>
           <a:stretch>
             <a:fillRect/>
           </a:stretch>
         </p:blipFill>
-        <p:spPr bwMode="auto">
+        <p:spPr>
           <a:xfrm>
-            <a:off x="1356095" y="2540430"/>
-            <a:ext cx="2402236" cy="2402236"/>
+            <a:off x="4434721" y="2154476"/>
+            <a:ext cx="3322558" cy="3269294"/>
           </a:xfrm>
           <a:prstGeom prst="rect">
             <a:avLst/>
           </a:prstGeom>
-          <a:noFill/>
-          <a:extLst>
-            <a:ext uri="{909E8E84-426E-40DD-AFC4-6F175D3DCCD1}">
-              <a14:hiddenFill xmlns:a14="http://schemas.microsoft.com/office/drawing/2010/main">
-                <a:solidFill>
-                  <a:srgbClr val="FFFFFF"/>
-                </a:solidFill>
-              </a14:hiddenFill>
-            </a:ext>
-          </a:extLst>
         </p:spPr>
       </p:pic>
-      <p:pic>
-        <p:nvPicPr>
-          <p:cNvPr id="1028" name="Picture 4">
-            <a:extLst>
-              <a:ext uri="{FF2B5EF4-FFF2-40B4-BE49-F238E27FC236}">
-                <a16:creationId xmlns:a16="http://schemas.microsoft.com/office/drawing/2014/main" id="{DF617F34-2A94-4F43-B2D6-CB65838B26D6}"/>
-              </a:ext>
-            </a:extLst>
-          </p:cNvPr>
-          <p:cNvPicPr>
-            <a:picLocks noChangeAspect="1" noChangeArrowheads="1"/>
-          </p:cNvPicPr>
-          <p:nvPr/>
-        </p:nvPicPr>
-        <p:blipFill>
-          <a:blip r:embed="rId4">
-            <a:extLst>
-              <a:ext uri="{28A0092B-C50C-407E-A947-70E740481C1C}">
-                <a14:useLocalDpi xmlns:a14="http://schemas.microsoft.com/office/drawing/2010/main" val="0"/>
-              </a:ext>
-            </a:extLst>
-          </a:blip>
-          <a:srcRect/>
-          <a:stretch>
-            <a:fillRect/>
-          </a:stretch>
-        </p:blipFill>
-        <p:spPr bwMode="auto">
-          <a:xfrm>
-            <a:off x="4923298" y="2528803"/>
-            <a:ext cx="2402237" cy="2402237"/>
-          </a:xfrm>
-          <a:prstGeom prst="rect">
-            <a:avLst/>
-          </a:prstGeom>
-          <a:noFill/>
-          <a:extLst>
-            <a:ext uri="{909E8E84-426E-40DD-AFC4-6F175D3DCCD1}">
-              <a14:hiddenFill xmlns:a14="http://schemas.microsoft.com/office/drawing/2010/main">
-                <a:solidFill>
-                  <a:srgbClr val="FFFFFF"/>
-                </a:solidFill>
-              </a14:hiddenFill>
-            </a:ext>
-          </a:extLst>
-        </p:spPr>
-      </p:pic>
-      <p:pic>
-        <p:nvPicPr>
-          <p:cNvPr id="1030" name="Picture 6">
-            <a:extLst>
-              <a:ext uri="{FF2B5EF4-FFF2-40B4-BE49-F238E27FC236}">
-                <a16:creationId xmlns:a16="http://schemas.microsoft.com/office/drawing/2014/main" id="{517DF522-1FD5-4D64-843C-6804490B7765}"/>
-              </a:ext>
-            </a:extLst>
-          </p:cNvPr>
-          <p:cNvPicPr>
-            <a:picLocks noChangeAspect="1" noChangeArrowheads="1"/>
-          </p:cNvPicPr>
-          <p:nvPr/>
-        </p:nvPicPr>
-        <p:blipFill>
-          <a:blip r:embed="rId5">
-            <a:extLst>
-              <a:ext uri="{28A0092B-C50C-407E-A947-70E740481C1C}">
-                <a14:useLocalDpi xmlns:a14="http://schemas.microsoft.com/office/drawing/2010/main" val="0"/>
-              </a:ext>
-            </a:extLst>
-          </a:blip>
-          <a:srcRect/>
-          <a:stretch>
-            <a:fillRect/>
-          </a:stretch>
-        </p:blipFill>
-        <p:spPr bwMode="auto">
-          <a:xfrm>
-            <a:off x="8284825" y="2528804"/>
-            <a:ext cx="2402237" cy="2402237"/>
-          </a:xfrm>
-          <a:prstGeom prst="rect">
-            <a:avLst/>
-          </a:prstGeom>
-          <a:noFill/>
-          <a:extLst>
-            <a:ext uri="{909E8E84-426E-40DD-AFC4-6F175D3DCCD1}">
-              <a14:hiddenFill xmlns:a14="http://schemas.microsoft.com/office/drawing/2010/main">
-                <a:solidFill>
-                  <a:srgbClr val="FFFFFF"/>
-                </a:solidFill>
-              </a14:hiddenFill>
-            </a:ext>
-          </a:extLst>
-        </p:spPr>
-      </p:pic>
-      <p:sp>
-        <p:nvSpPr>
-          <p:cNvPr id="2" name="TextBox 1">
-            <a:extLst>
-              <a:ext uri="{FF2B5EF4-FFF2-40B4-BE49-F238E27FC236}">
-                <a16:creationId xmlns:a16="http://schemas.microsoft.com/office/drawing/2014/main" id="{7F5D94AC-1FAF-423E-AE7E-54394A464204}"/>
-              </a:ext>
-            </a:extLst>
-          </p:cNvPr>
-          <p:cNvSpPr txBox="1"/>
-          <p:nvPr/>
-        </p:nvSpPr>
-        <p:spPr>
-          <a:xfrm>
-            <a:off x="995727" y="2159473"/>
-            <a:ext cx="3122971" cy="369332"/>
-          </a:xfrm>
-          <a:prstGeom prst="rect">
-            <a:avLst/>
-          </a:prstGeom>
-          <a:noFill/>
-        </p:spPr>
-        <p:txBody>
-          <a:bodyPr wrap="none" rtlCol="0">
-            <a:spAutoFit/>
-          </a:bodyPr>
-          <a:lstStyle/>
-          <a:p>
-            <a:pPr algn="ctr"/>
-            <a:r>
-              <a:rPr lang="en-US" dirty="0">
-                <a:latin typeface="Palatino Linotype" panose="02040502050505030304" pitchFamily="18" charset="0"/>
-              </a:rPr>
-              <a:t>Multi-Select Multiple Choice</a:t>
-            </a:r>
-          </a:p>
-        </p:txBody>
-      </p:sp>
-      <p:sp>
-        <p:nvSpPr>
-          <p:cNvPr id="6" name="TextBox 5">
-            <a:extLst>
-              <a:ext uri="{FF2B5EF4-FFF2-40B4-BE49-F238E27FC236}">
-                <a16:creationId xmlns:a16="http://schemas.microsoft.com/office/drawing/2014/main" id="{0DCC0B5F-A743-40FD-A0F5-EC444DA70478}"/>
-              </a:ext>
-            </a:extLst>
-          </p:cNvPr>
-          <p:cNvSpPr txBox="1"/>
-          <p:nvPr/>
-        </p:nvSpPr>
-        <p:spPr>
-          <a:xfrm>
-            <a:off x="8227992" y="2145308"/>
-            <a:ext cx="2813591" cy="369332"/>
-          </a:xfrm>
-          <a:prstGeom prst="rect">
-            <a:avLst/>
-          </a:prstGeom>
-          <a:noFill/>
-        </p:spPr>
-        <p:txBody>
-          <a:bodyPr wrap="square" rtlCol="0">
-            <a:spAutoFit/>
-          </a:bodyPr>
-          <a:lstStyle/>
-          <a:p>
-            <a:pPr algn="ctr"/>
-            <a:r>
-              <a:rPr lang="en-US" dirty="0">
-                <a:latin typeface="Palatino Linotype" panose="02040502050505030304" pitchFamily="18" charset="0"/>
-              </a:rPr>
-              <a:t>Word Cloud</a:t>
-            </a:r>
-          </a:p>
-        </p:txBody>
-      </p:sp>
-      <p:sp>
-        <p:nvSpPr>
-          <p:cNvPr id="7" name="TextBox 6">
-            <a:extLst>
-              <a:ext uri="{FF2B5EF4-FFF2-40B4-BE49-F238E27FC236}">
-                <a16:creationId xmlns:a16="http://schemas.microsoft.com/office/drawing/2014/main" id="{D521A040-8C3B-464B-9C58-2408B67434D1}"/>
-              </a:ext>
-            </a:extLst>
-          </p:cNvPr>
-          <p:cNvSpPr txBox="1"/>
-          <p:nvPr/>
-        </p:nvSpPr>
-        <p:spPr>
-          <a:xfrm>
-            <a:off x="4438445" y="2145308"/>
-            <a:ext cx="3371949" cy="369332"/>
-          </a:xfrm>
-          <a:prstGeom prst="rect">
-            <a:avLst/>
-          </a:prstGeom>
-          <a:noFill/>
-        </p:spPr>
-        <p:txBody>
-          <a:bodyPr wrap="none" rtlCol="0">
-            <a:spAutoFit/>
-          </a:bodyPr>
-          <a:lstStyle/>
-          <a:p>
-            <a:pPr algn="ctr"/>
-            <a:r>
-              <a:rPr lang="en-US" dirty="0">
-                <a:latin typeface="Palatino Linotype" panose="02040502050505030304" pitchFamily="18" charset="0"/>
-              </a:rPr>
-              <a:t>Single Answer Multiple Choice</a:t>
-            </a:r>
-          </a:p>
-        </p:txBody>
-      </p:sp>
     </p:spTree>
     <p:extLst>
       <p:ext uri="{BB962C8B-B14F-4D97-AF65-F5344CB8AC3E}">
-        <p14:creationId xmlns:p14="http://schemas.microsoft.com/office/powerpoint/2010/main" val="3702438172"/>
+        <p14:creationId xmlns:p14="http://schemas.microsoft.com/office/powerpoint/2010/main" val="3354646119"/>
       </p:ext>
     </p:extLst>
   </p:cSld>
@@ -14283,123 +14018,6 @@
           <a:chExt cx="0" cy="0"/>
         </a:xfrm>
       </p:grpSpPr>
-      <p:sp>
-        <p:nvSpPr>
-          <p:cNvPr id="4" name="Title 1">
-            <a:extLst>
-              <a:ext uri="{FF2B5EF4-FFF2-40B4-BE49-F238E27FC236}">
-                <a16:creationId xmlns:a16="http://schemas.microsoft.com/office/drawing/2014/main" id="{A9A9A585-179C-45FC-BE33-30F5057F2269}"/>
-              </a:ext>
-            </a:extLst>
-          </p:cNvPr>
-          <p:cNvSpPr>
-            <a:spLocks noGrp="1"/>
-          </p:cNvSpPr>
-          <p:nvPr>
-            <p:ph type="title"/>
-          </p:nvPr>
-        </p:nvSpPr>
-        <p:spPr>
-          <a:xfrm>
-            <a:off x="618697" y="365127"/>
-            <a:ext cx="10735103" cy="827416"/>
-          </a:xfrm>
-        </p:spPr>
-        <p:txBody>
-          <a:bodyPr>
-            <a:normAutofit/>
-          </a:bodyPr>
-          <a:lstStyle/>
-          <a:p>
-            <a:pPr algn="ctr"/>
-            <a:r>
-              <a:rPr lang="en-US" sz="3600" dirty="0">
-                <a:latin typeface="Palatino Linotype" panose="02040502050505030304" pitchFamily="18" charset="0"/>
-                <a:cs typeface="Segoe UI Light" panose="020B0502040204020203" pitchFamily="34" charset="0"/>
-              </a:rPr>
-              <a:t>Statistical Power &amp; Data Ethics</a:t>
-            </a:r>
-          </a:p>
-        </p:txBody>
-      </p:sp>
-      <p:pic>
-        <p:nvPicPr>
-          <p:cNvPr id="9" name="Picture 8" descr="Logo, icon&#10;&#10;Description automatically generated">
-            <a:extLst>
-              <a:ext uri="{FF2B5EF4-FFF2-40B4-BE49-F238E27FC236}">
-                <a16:creationId xmlns:a16="http://schemas.microsoft.com/office/drawing/2014/main" id="{B455383E-0A2A-4909-8A69-873EC60947ED}"/>
-              </a:ext>
-            </a:extLst>
-          </p:cNvPr>
-          <p:cNvPicPr>
-            <a:picLocks noChangeAspect="1"/>
-          </p:cNvPicPr>
-          <p:nvPr/>
-        </p:nvPicPr>
-        <p:blipFill>
-          <a:blip r:embed="rId3">
-            <a:extLst>
-              <a:ext uri="{28A0092B-C50C-407E-A947-70E740481C1C}">
-                <a14:useLocalDpi xmlns:a14="http://schemas.microsoft.com/office/drawing/2010/main" val="0"/>
-              </a:ext>
-            </a:extLst>
-          </a:blip>
-          <a:stretch>
-            <a:fillRect/>
-          </a:stretch>
-        </p:blipFill>
-        <p:spPr>
-          <a:xfrm>
-            <a:off x="4434721" y="2154476"/>
-            <a:ext cx="3322558" cy="3269294"/>
-          </a:xfrm>
-          <a:prstGeom prst="rect">
-            <a:avLst/>
-          </a:prstGeom>
-        </p:spPr>
-      </p:pic>
-    </p:spTree>
-    <p:extLst>
-      <p:ext uri="{BB962C8B-B14F-4D97-AF65-F5344CB8AC3E}">
-        <p14:creationId xmlns:p14="http://schemas.microsoft.com/office/powerpoint/2010/main" val="3354646119"/>
-      </p:ext>
-    </p:extLst>
-  </p:cSld>
-  <p:clrMapOvr>
-    <a:masterClrMapping/>
-  </p:clrMapOvr>
-  <mc:AlternateContent xmlns:mc="http://schemas.openxmlformats.org/markup-compatibility/2006" xmlns:p14="http://schemas.microsoft.com/office/powerpoint/2010/main">
-    <mc:Choice Requires="p14">
-      <p:transition spd="med" p14:dur="700">
-        <p:fade/>
-      </p:transition>
-    </mc:Choice>
-    <mc:Fallback xmlns="">
-      <p:transition spd="med">
-        <p:fade/>
-      </p:transition>
-    </mc:Fallback>
-  </mc:AlternateContent>
-</p:sld>
-</file>
-
-<file path=ppt/slides/slide31.xml><?xml version="1.0" encoding="utf-8"?>
-<p:sld xmlns:a="http://schemas.openxmlformats.org/drawingml/2006/main" xmlns:r="http://schemas.openxmlformats.org/officeDocument/2006/relationships" xmlns:p="http://schemas.openxmlformats.org/presentationml/2006/main">
-  <p:cSld>
-    <p:spTree>
-      <p:nvGrpSpPr>
-        <p:cNvPr id="1" name=""/>
-        <p:cNvGrpSpPr/>
-        <p:nvPr/>
-      </p:nvGrpSpPr>
-      <p:grpSpPr>
-        <a:xfrm>
-          <a:off x="0" y="0"/>
-          <a:ext cx="0" cy="0"/>
-          <a:chOff x="0" y="0"/>
-          <a:chExt cx="0" cy="0"/>
-        </a:xfrm>
-      </p:grpSpPr>
       <p:pic>
         <p:nvPicPr>
           <p:cNvPr id="3" name="Picture 2">
@@ -14585,7 +14203,7 @@
 </p:sld>
 </file>
 
-<file path=ppt/slides/slide32.xml><?xml version="1.0" encoding="utf-8"?>
+<file path=ppt/slides/slide31.xml><?xml version="1.0" encoding="utf-8"?>
 <p:sld xmlns:a="http://schemas.openxmlformats.org/drawingml/2006/main" xmlns:r="http://schemas.openxmlformats.org/officeDocument/2006/relationships" xmlns:p="http://schemas.openxmlformats.org/presentationml/2006/main">
   <p:cSld>
     <p:spTree>
@@ -14963,7 +14581,7 @@
 </p:sld>
 </file>
 
-<file path=ppt/slides/slide33.xml><?xml version="1.0" encoding="utf-8"?>
+<file path=ppt/slides/slide32.xml><?xml version="1.0" encoding="utf-8"?>
 <p:sld xmlns:a="http://schemas.openxmlformats.org/drawingml/2006/main" xmlns:r="http://schemas.openxmlformats.org/officeDocument/2006/relationships" xmlns:p="http://schemas.openxmlformats.org/presentationml/2006/main">
   <p:cSld>
     <p:spTree>

--- a/presentations/01_ethics.pptx
+++ b/presentations/01_ethics.pptx
@@ -239,7 +239,7 @@
           <a:p>
             <a:fld id="{FD93C9B2-20F6-4DB1-B471-224337D0AC79}" type="datetimeFigureOut">
               <a:rPr lang="en-US" smtClean="0"/>
-              <a:t>8/5/2022</a:t>
+              <a:t>9/16/2022</a:t>
             </a:fld>
             <a:endParaRPr lang="en-US"/>
           </a:p>
@@ -5653,7 +5653,7 @@
           <a:p>
             <a:fld id="{C3F78080-8D0A-4BE8-A5B4-CB115102D524}" type="datetimeFigureOut">
               <a:rPr lang="en-US" smtClean="0"/>
-              <a:t>8/5/2022</a:t>
+              <a:t>9/16/2022</a:t>
             </a:fld>
             <a:endParaRPr lang="en-US"/>
           </a:p>
@@ -5851,7 +5851,7 @@
           <a:p>
             <a:fld id="{C3F78080-8D0A-4BE8-A5B4-CB115102D524}" type="datetimeFigureOut">
               <a:rPr lang="en-US" smtClean="0"/>
-              <a:t>8/5/2022</a:t>
+              <a:t>9/16/2022</a:t>
             </a:fld>
             <a:endParaRPr lang="en-US"/>
           </a:p>
@@ -6059,7 +6059,7 @@
           <a:p>
             <a:fld id="{C3F78080-8D0A-4BE8-A5B4-CB115102D524}" type="datetimeFigureOut">
               <a:rPr lang="en-US" smtClean="0"/>
-              <a:t>8/5/2022</a:t>
+              <a:t>9/16/2022</a:t>
             </a:fld>
             <a:endParaRPr lang="en-US"/>
           </a:p>
@@ -6257,7 +6257,7 @@
           <a:p>
             <a:fld id="{C3F78080-8D0A-4BE8-A5B4-CB115102D524}" type="datetimeFigureOut">
               <a:rPr lang="en-US" smtClean="0"/>
-              <a:t>8/5/2022</a:t>
+              <a:t>9/16/2022</a:t>
             </a:fld>
             <a:endParaRPr lang="en-US"/>
           </a:p>
@@ -6532,7 +6532,7 @@
           <a:p>
             <a:fld id="{C3F78080-8D0A-4BE8-A5B4-CB115102D524}" type="datetimeFigureOut">
               <a:rPr lang="en-US" smtClean="0"/>
-              <a:t>8/5/2022</a:t>
+              <a:t>9/16/2022</a:t>
             </a:fld>
             <a:endParaRPr lang="en-US"/>
           </a:p>
@@ -6797,7 +6797,7 @@
           <a:p>
             <a:fld id="{C3F78080-8D0A-4BE8-A5B4-CB115102D524}" type="datetimeFigureOut">
               <a:rPr lang="en-US" smtClean="0"/>
-              <a:t>8/5/2022</a:t>
+              <a:t>9/16/2022</a:t>
             </a:fld>
             <a:endParaRPr lang="en-US"/>
           </a:p>
@@ -7209,7 +7209,7 @@
           <a:p>
             <a:fld id="{C3F78080-8D0A-4BE8-A5B4-CB115102D524}" type="datetimeFigureOut">
               <a:rPr lang="en-US" smtClean="0"/>
-              <a:t>8/5/2022</a:t>
+              <a:t>9/16/2022</a:t>
             </a:fld>
             <a:endParaRPr lang="en-US"/>
           </a:p>
@@ -7350,7 +7350,7 @@
           <a:p>
             <a:fld id="{C3F78080-8D0A-4BE8-A5B4-CB115102D524}" type="datetimeFigureOut">
               <a:rPr lang="en-US" smtClean="0"/>
-              <a:t>8/5/2022</a:t>
+              <a:t>9/16/2022</a:t>
             </a:fld>
             <a:endParaRPr lang="en-US"/>
           </a:p>
@@ -7463,7 +7463,7 @@
           <a:p>
             <a:fld id="{C3F78080-8D0A-4BE8-A5B4-CB115102D524}" type="datetimeFigureOut">
               <a:rPr lang="en-US" smtClean="0"/>
-              <a:t>8/5/2022</a:t>
+              <a:t>9/16/2022</a:t>
             </a:fld>
             <a:endParaRPr lang="en-US"/>
           </a:p>
@@ -7774,7 +7774,7 @@
           <a:p>
             <a:fld id="{C3F78080-8D0A-4BE8-A5B4-CB115102D524}" type="datetimeFigureOut">
               <a:rPr lang="en-US" smtClean="0"/>
-              <a:t>8/5/2022</a:t>
+              <a:t>9/16/2022</a:t>
             </a:fld>
             <a:endParaRPr lang="en-US"/>
           </a:p>
@@ -8062,7 +8062,7 @@
           <a:p>
             <a:fld id="{C3F78080-8D0A-4BE8-A5B4-CB115102D524}" type="datetimeFigureOut">
               <a:rPr lang="en-US" smtClean="0"/>
-              <a:t>8/5/2022</a:t>
+              <a:t>9/16/2022</a:t>
             </a:fld>
             <a:endParaRPr lang="en-US"/>
           </a:p>
@@ -8303,7 +8303,7 @@
           <a:p>
             <a:fld id="{C3F78080-8D0A-4BE8-A5B4-CB115102D524}" type="datetimeFigureOut">
               <a:rPr lang="en-US" smtClean="0"/>
-              <a:t>8/5/2022</a:t>
+              <a:t>9/16/2022</a:t>
             </a:fld>
             <a:endParaRPr lang="en-US"/>
           </a:p>
@@ -11558,8 +11558,8 @@
         </p:nvSpPr>
         <p:spPr>
           <a:xfrm>
-            <a:off x="0" y="365127"/>
-            <a:ext cx="12191999" cy="827416"/>
+            <a:off x="618698" y="365127"/>
+            <a:ext cx="10829613" cy="827416"/>
           </a:xfrm>
         </p:spPr>
         <p:txBody>
@@ -11568,7 +11568,6 @@
           </a:bodyPr>
           <a:lstStyle/>
           <a:p>
-            <a:pPr algn="ctr"/>
             <a:r>
               <a:rPr lang="en-US" sz="3600" dirty="0">
                 <a:solidFill>
@@ -11580,7 +11579,7 @@
                 <a:latin typeface="Palatino Linotype" panose="02040502050505030304" pitchFamily="18" charset="0"/>
                 <a:cs typeface="Segoe UI Light" panose="020B0502040204020203" pitchFamily="34" charset="0"/>
               </a:rPr>
-              <a:t>Agenda</a:t>
+              <a:t>Lesson Overview</a:t>
             </a:r>
           </a:p>
         </p:txBody>
@@ -11599,7 +11598,7 @@
         </p:nvSpPr>
         <p:spPr>
           <a:xfrm>
-            <a:off x="524185" y="2216180"/>
+            <a:off x="524185" y="1643303"/>
             <a:ext cx="10924126" cy="2831544"/>
           </a:xfrm>
           <a:prstGeom prst="rect">
@@ -15789,7 +15788,7 @@
         <p:spPr>
           <a:xfrm>
             <a:off x="7253262" y="3797186"/>
-            <a:ext cx="1625600" cy="2085920"/>
+            <a:ext cx="1625600" cy="907016"/>
           </a:xfrm>
           <a:prstGeom prst="rect">
             <a:avLst/>
@@ -15854,7 +15853,7 @@
         <p:spPr>
           <a:xfrm>
             <a:off x="4960405" y="3797186"/>
-            <a:ext cx="1625600" cy="2085920"/>
+            <a:ext cx="1625600" cy="907016"/>
           </a:xfrm>
           <a:prstGeom prst="rect">
             <a:avLst/>
@@ -15919,7 +15918,7 @@
         <p:spPr>
           <a:xfrm>
             <a:off x="2712505" y="3797186"/>
-            <a:ext cx="1625600" cy="2085920"/>
+            <a:ext cx="1625600" cy="907016"/>
           </a:xfrm>
           <a:prstGeom prst="rect">
             <a:avLst/>
@@ -15971,147 +15970,6 @@
       </p:sp>
       <p:pic>
         <p:nvPicPr>
-          <p:cNvPr id="5" name="Picture 4">
-            <a:extLst>
-              <a:ext uri="{FF2B5EF4-FFF2-40B4-BE49-F238E27FC236}">
-                <a16:creationId xmlns:a16="http://schemas.microsoft.com/office/drawing/2014/main" id="{B3DFFDEF-2165-44D7-ABC7-0588FA782C93}"/>
-              </a:ext>
-            </a:extLst>
-          </p:cNvPr>
-          <p:cNvPicPr>
-            <a:picLocks noChangeAspect="1" noChangeArrowheads="1"/>
-          </p:cNvPicPr>
-          <p:nvPr/>
-        </p:nvPicPr>
-        <p:blipFill>
-          <a:blip r:embed="rId3">
-            <a:extLst>
-              <a:ext uri="{28A0092B-C50C-407E-A947-70E740481C1C}">
-                <a14:useLocalDpi xmlns:a14="http://schemas.microsoft.com/office/drawing/2010/main" val="0"/>
-              </a:ext>
-            </a:extLst>
-          </a:blip>
-          <a:srcRect/>
-          <a:stretch>
-            <a:fillRect/>
-          </a:stretch>
-        </p:blipFill>
-        <p:spPr bwMode="auto">
-          <a:xfrm>
-            <a:off x="2812545" y="4235888"/>
-            <a:ext cx="1425520" cy="1425520"/>
-          </a:xfrm>
-          <a:prstGeom prst="rect">
-            <a:avLst/>
-          </a:prstGeom>
-          <a:noFill/>
-          <a:extLst>
-            <a:ext uri="{909E8E84-426E-40DD-AFC4-6F175D3DCCD1}">
-              <a14:hiddenFill xmlns:a14="http://schemas.microsoft.com/office/drawing/2010/main">
-                <a:solidFill>
-                  <a:srgbClr val="FFFFFF"/>
-                </a:solidFill>
-              </a14:hiddenFill>
-            </a:ext>
-          </a:extLst>
-        </p:spPr>
-      </p:pic>
-      <p:pic>
-        <p:nvPicPr>
-          <p:cNvPr id="6" name="Picture 5">
-            <a:extLst>
-              <a:ext uri="{FF2B5EF4-FFF2-40B4-BE49-F238E27FC236}">
-                <a16:creationId xmlns:a16="http://schemas.microsoft.com/office/drawing/2014/main" id="{980AF249-125D-44A1-A48B-7B492FE04687}"/>
-              </a:ext>
-            </a:extLst>
-          </p:cNvPr>
-          <p:cNvPicPr>
-            <a:picLocks noChangeAspect="1" noChangeArrowheads="1"/>
-          </p:cNvPicPr>
-          <p:nvPr/>
-        </p:nvPicPr>
-        <p:blipFill>
-          <a:blip r:embed="rId3">
-            <a:extLst>
-              <a:ext uri="{28A0092B-C50C-407E-A947-70E740481C1C}">
-                <a14:useLocalDpi xmlns:a14="http://schemas.microsoft.com/office/drawing/2010/main" val="0"/>
-              </a:ext>
-            </a:extLst>
-          </a:blip>
-          <a:srcRect/>
-          <a:stretch>
-            <a:fillRect/>
-          </a:stretch>
-        </p:blipFill>
-        <p:spPr bwMode="auto">
-          <a:xfrm>
-            <a:off x="5060445" y="4235888"/>
-            <a:ext cx="1425520" cy="1425520"/>
-          </a:xfrm>
-          <a:prstGeom prst="rect">
-            <a:avLst/>
-          </a:prstGeom>
-          <a:noFill/>
-          <a:extLst>
-            <a:ext uri="{909E8E84-426E-40DD-AFC4-6F175D3DCCD1}">
-              <a14:hiddenFill xmlns:a14="http://schemas.microsoft.com/office/drawing/2010/main">
-                <a:solidFill>
-                  <a:srgbClr val="FFFFFF"/>
-                </a:solidFill>
-              </a14:hiddenFill>
-            </a:ext>
-          </a:extLst>
-        </p:spPr>
-      </p:pic>
-      <p:pic>
-        <p:nvPicPr>
-          <p:cNvPr id="7" name="Picture 6">
-            <a:extLst>
-              <a:ext uri="{FF2B5EF4-FFF2-40B4-BE49-F238E27FC236}">
-                <a16:creationId xmlns:a16="http://schemas.microsoft.com/office/drawing/2014/main" id="{E0505DFE-44A4-4B3F-ACF5-03B66CFD30EA}"/>
-              </a:ext>
-            </a:extLst>
-          </p:cNvPr>
-          <p:cNvPicPr>
-            <a:picLocks noChangeAspect="1" noChangeArrowheads="1"/>
-          </p:cNvPicPr>
-          <p:nvPr/>
-        </p:nvPicPr>
-        <p:blipFill>
-          <a:blip r:embed="rId3">
-            <a:extLst>
-              <a:ext uri="{28A0092B-C50C-407E-A947-70E740481C1C}">
-                <a14:useLocalDpi xmlns:a14="http://schemas.microsoft.com/office/drawing/2010/main" val="0"/>
-              </a:ext>
-            </a:extLst>
-          </a:blip>
-          <a:srcRect/>
-          <a:stretch>
-            <a:fillRect/>
-          </a:stretch>
-        </p:blipFill>
-        <p:spPr bwMode="auto">
-          <a:xfrm>
-            <a:off x="7353302" y="4235888"/>
-            <a:ext cx="1425520" cy="1425520"/>
-          </a:xfrm>
-          <a:prstGeom prst="rect">
-            <a:avLst/>
-          </a:prstGeom>
-          <a:noFill/>
-          <a:extLst>
-            <a:ext uri="{909E8E84-426E-40DD-AFC4-6F175D3DCCD1}">
-              <a14:hiddenFill xmlns:a14="http://schemas.microsoft.com/office/drawing/2010/main">
-                <a:solidFill>
-                  <a:srgbClr val="FFFFFF"/>
-                </a:solidFill>
-              </a14:hiddenFill>
-            </a:ext>
-          </a:extLst>
-        </p:spPr>
-      </p:pic>
-      <p:pic>
-        <p:nvPicPr>
           <p:cNvPr id="11" name="Picture 10" descr="A picture containing text, clipart&#10;&#10;Description automatically generated">
             <a:extLst>
               <a:ext uri="{FF2B5EF4-FFF2-40B4-BE49-F238E27FC236}">
@@ -16125,7 +15983,7 @@
           <p:nvPr/>
         </p:nvPicPr>
         <p:blipFill>
-          <a:blip r:embed="rId4">
+          <a:blip r:embed="rId3">
             <a:extLst>
               <a:ext uri="{28A0092B-C50C-407E-A947-70E740481C1C}">
                 <a14:useLocalDpi xmlns:a14="http://schemas.microsoft.com/office/drawing/2010/main" val="0"/>

--- a/presentations/01_ethics.pptx
+++ b/presentations/01_ethics.pptx
@@ -239,7 +239,7 @@
           <a:p>
             <a:fld id="{FD93C9B2-20F6-4DB1-B471-224337D0AC79}" type="datetimeFigureOut">
               <a:rPr lang="en-US" smtClean="0"/>
-              <a:t>9/16/2022</a:t>
+              <a:t>9/20/2022</a:t>
             </a:fld>
             <a:endParaRPr lang="en-US"/>
           </a:p>
@@ -2350,15 +2350,6 @@
           <a:p>
             <a:endParaRPr lang="en-US" dirty="0"/>
           </a:p>
-          <a:p>
-            <a:r>
-              <a:rPr lang="en-US" dirty="0"/>
-              <a:t>Let’s take a poll…</a:t>
-            </a:r>
-          </a:p>
-          <a:p>
-            <a:endParaRPr lang="en-US" dirty="0"/>
-          </a:p>
         </p:txBody>
       </p:sp>
       <p:sp>
@@ -2643,6 +2634,15 @@
             <a:r>
               <a:rPr lang="en-US" dirty="0"/>
               <a:t>As it turned out, this was a system (model) error: nothing more than sunlight, reflecting off the clouds over North Dakota.</a:t>
+            </a:r>
+          </a:p>
+          <a:p>
+            <a:endParaRPr lang="en-US" dirty="0"/>
+          </a:p>
+          <a:p>
+            <a:r>
+              <a:rPr lang="en-US" dirty="0"/>
+              <a:t>But what if the system in question was 95% certain that you – a banker – should not loan $100k to a small, locally owned business.  Would you follow its recommendation?  </a:t>
             </a:r>
           </a:p>
         </p:txBody>
@@ -5653,7 +5653,7 @@
           <a:p>
             <a:fld id="{C3F78080-8D0A-4BE8-A5B4-CB115102D524}" type="datetimeFigureOut">
               <a:rPr lang="en-US" smtClean="0"/>
-              <a:t>9/16/2022</a:t>
+              <a:t>9/20/2022</a:t>
             </a:fld>
             <a:endParaRPr lang="en-US"/>
           </a:p>
@@ -5851,7 +5851,7 @@
           <a:p>
             <a:fld id="{C3F78080-8D0A-4BE8-A5B4-CB115102D524}" type="datetimeFigureOut">
               <a:rPr lang="en-US" smtClean="0"/>
-              <a:t>9/16/2022</a:t>
+              <a:t>9/20/2022</a:t>
             </a:fld>
             <a:endParaRPr lang="en-US"/>
           </a:p>
@@ -6059,7 +6059,7 @@
           <a:p>
             <a:fld id="{C3F78080-8D0A-4BE8-A5B4-CB115102D524}" type="datetimeFigureOut">
               <a:rPr lang="en-US" smtClean="0"/>
-              <a:t>9/16/2022</a:t>
+              <a:t>9/20/2022</a:t>
             </a:fld>
             <a:endParaRPr lang="en-US"/>
           </a:p>
@@ -6257,7 +6257,7 @@
           <a:p>
             <a:fld id="{C3F78080-8D0A-4BE8-A5B4-CB115102D524}" type="datetimeFigureOut">
               <a:rPr lang="en-US" smtClean="0"/>
-              <a:t>9/16/2022</a:t>
+              <a:t>9/20/2022</a:t>
             </a:fld>
             <a:endParaRPr lang="en-US"/>
           </a:p>
@@ -6532,7 +6532,7 @@
           <a:p>
             <a:fld id="{C3F78080-8D0A-4BE8-A5B4-CB115102D524}" type="datetimeFigureOut">
               <a:rPr lang="en-US" smtClean="0"/>
-              <a:t>9/16/2022</a:t>
+              <a:t>9/20/2022</a:t>
             </a:fld>
             <a:endParaRPr lang="en-US"/>
           </a:p>
@@ -6797,7 +6797,7 @@
           <a:p>
             <a:fld id="{C3F78080-8D0A-4BE8-A5B4-CB115102D524}" type="datetimeFigureOut">
               <a:rPr lang="en-US" smtClean="0"/>
-              <a:t>9/16/2022</a:t>
+              <a:t>9/20/2022</a:t>
             </a:fld>
             <a:endParaRPr lang="en-US"/>
           </a:p>
@@ -7209,7 +7209,7 @@
           <a:p>
             <a:fld id="{C3F78080-8D0A-4BE8-A5B4-CB115102D524}" type="datetimeFigureOut">
               <a:rPr lang="en-US" smtClean="0"/>
-              <a:t>9/16/2022</a:t>
+              <a:t>9/20/2022</a:t>
             </a:fld>
             <a:endParaRPr lang="en-US"/>
           </a:p>
@@ -7350,7 +7350,7 @@
           <a:p>
             <a:fld id="{C3F78080-8D0A-4BE8-A5B4-CB115102D524}" type="datetimeFigureOut">
               <a:rPr lang="en-US" smtClean="0"/>
-              <a:t>9/16/2022</a:t>
+              <a:t>9/20/2022</a:t>
             </a:fld>
             <a:endParaRPr lang="en-US"/>
           </a:p>
@@ -7463,7 +7463,7 @@
           <a:p>
             <a:fld id="{C3F78080-8D0A-4BE8-A5B4-CB115102D524}" type="datetimeFigureOut">
               <a:rPr lang="en-US" smtClean="0"/>
-              <a:t>9/16/2022</a:t>
+              <a:t>9/20/2022</a:t>
             </a:fld>
             <a:endParaRPr lang="en-US"/>
           </a:p>
@@ -7774,7 +7774,7 @@
           <a:p>
             <a:fld id="{C3F78080-8D0A-4BE8-A5B4-CB115102D524}" type="datetimeFigureOut">
               <a:rPr lang="en-US" smtClean="0"/>
-              <a:t>9/16/2022</a:t>
+              <a:t>9/20/2022</a:t>
             </a:fld>
             <a:endParaRPr lang="en-US"/>
           </a:p>
@@ -8062,7 +8062,7 @@
           <a:p>
             <a:fld id="{C3F78080-8D0A-4BE8-A5B4-CB115102D524}" type="datetimeFigureOut">
               <a:rPr lang="en-US" smtClean="0"/>
-              <a:t>9/16/2022</a:t>
+              <a:t>9/20/2022</a:t>
             </a:fld>
             <a:endParaRPr lang="en-US"/>
           </a:p>
@@ -8303,7 +8303,7 @@
           <a:p>
             <a:fld id="{C3F78080-8D0A-4BE8-A5B4-CB115102D524}" type="datetimeFigureOut">
               <a:rPr lang="en-US" smtClean="0"/>
-              <a:t>9/16/2022</a:t>
+              <a:t>9/20/2022</a:t>
             </a:fld>
             <a:endParaRPr lang="en-US"/>
           </a:p>
@@ -9635,7 +9635,7 @@
         </p:nvSpPr>
         <p:spPr>
           <a:xfrm>
-            <a:off x="961059" y="1250520"/>
+            <a:off x="961059" y="1314020"/>
             <a:ext cx="10269882" cy="5498941"/>
           </a:xfrm>
           <a:prstGeom prst="rect">
@@ -11747,10 +11747,10 @@
       </p:grpSpPr>
       <p:sp>
         <p:nvSpPr>
-          <p:cNvPr id="4" name="TextBox 3">
+          <p:cNvPr id="7" name="TextBox 6">
             <a:extLst>
               <a:ext uri="{FF2B5EF4-FFF2-40B4-BE49-F238E27FC236}">
-                <a16:creationId xmlns:a16="http://schemas.microsoft.com/office/drawing/2014/main" id="{F67FDF0A-B86B-4F43-81F3-207FCABE8869}"/>
+                <a16:creationId xmlns:a16="http://schemas.microsoft.com/office/drawing/2014/main" id="{6784BE00-0EF0-4ADD-808B-A7218249EF4D}"/>
               </a:ext>
             </a:extLst>
           </p:cNvPr>
@@ -11759,8 +11759,8 @@
         </p:nvSpPr>
         <p:spPr>
           <a:xfrm>
-            <a:off x="0" y="6535578"/>
-            <a:ext cx="12192000" cy="307777"/>
+            <a:off x="0" y="3024666"/>
+            <a:ext cx="12192000" cy="1333698"/>
           </a:xfrm>
           <a:prstGeom prst="rect">
             <a:avLst/>
@@ -11768,422 +11768,56 @@
           <a:noFill/>
         </p:spPr>
         <p:txBody>
-          <a:bodyPr wrap="square" rtlCol="0">
+          <a:bodyPr wrap="square">
             <a:spAutoFit/>
           </a:bodyPr>
           <a:lstStyle/>
           <a:p>
-            <a:r>
-              <a:rPr lang="en-US" sz="1400" b="0" i="0" dirty="0">
+            <a:pPr algn="ctr" rtl="0">
+              <a:spcBef>
+                <a:spcPts val="1600"/>
+              </a:spcBef>
+              <a:spcAft>
+                <a:spcPts val="400"/>
+              </a:spcAft>
+            </a:pPr>
+            <a:r>
+              <a:rPr lang="en-US" sz="3200" dirty="0">
                 <a:solidFill>
                   <a:schemeClr val="tx1">
-                    <a:lumMod val="50000"/>
-                    <a:lumOff val="50000"/>
+                    <a:lumMod val="65000"/>
+                    <a:lumOff val="35000"/>
                   </a:schemeClr>
                 </a:solidFill>
-                <a:effectLst/>
-                <a:latin typeface="+mj-lt"/>
-              </a:rPr>
-              <a:t>Source: Christian, B (2020). </a:t>
-            </a:r>
-            <a:r>
-              <a:rPr lang="en-US" sz="1400" i="1" dirty="0">
+                <a:latin typeface="Palatino Linotype" panose="02040502050505030304" pitchFamily="18" charset="0"/>
+              </a:rPr>
+              <a:t>If a system is 100% confident, would you </a:t>
+            </a:r>
+          </a:p>
+          <a:p>
+            <a:pPr algn="ctr" rtl="0">
+              <a:spcBef>
+                <a:spcPts val="1600"/>
+              </a:spcBef>
+              <a:spcAft>
+                <a:spcPts val="400"/>
+              </a:spcAft>
+            </a:pPr>
+            <a:r>
+              <a:rPr lang="en-US" sz="3200" dirty="0">
                 <a:solidFill>
                   <a:schemeClr val="tx1">
-                    <a:lumMod val="50000"/>
-                    <a:lumOff val="50000"/>
+                    <a:lumMod val="65000"/>
+                    <a:lumOff val="35000"/>
                   </a:schemeClr>
                 </a:solidFill>
-                <a:latin typeface="+mj-lt"/>
-              </a:rPr>
-              <a:t>The alignment problem: Machine learning and human values</a:t>
-            </a:r>
-            <a:r>
-              <a:rPr lang="en-US" sz="1400" b="0" i="0" dirty="0">
-                <a:solidFill>
-                  <a:schemeClr val="tx1">
-                    <a:lumMod val="50000"/>
-                    <a:lumOff val="50000"/>
-                  </a:schemeClr>
-                </a:solidFill>
-                <a:effectLst/>
-                <a:latin typeface="+mj-lt"/>
-              </a:rPr>
-              <a:t>. New York, NY: </a:t>
-            </a:r>
-            <a:r>
-              <a:rPr lang="en-US" sz="1400" dirty="0">
-                <a:solidFill>
-                  <a:schemeClr val="tx1">
-                    <a:lumMod val="50000"/>
-                    <a:lumOff val="50000"/>
-                  </a:schemeClr>
-                </a:solidFill>
-                <a:latin typeface="+mj-lt"/>
-              </a:rPr>
-              <a:t>W.W. Norton &amp; Company</a:t>
-            </a:r>
-            <a:r>
-              <a:rPr lang="en-US" sz="1400" b="0" i="0" dirty="0">
-                <a:solidFill>
-                  <a:schemeClr val="tx1">
-                    <a:lumMod val="50000"/>
-                    <a:lumOff val="50000"/>
-                  </a:schemeClr>
-                </a:solidFill>
-                <a:effectLst/>
-                <a:latin typeface="+mj-lt"/>
-              </a:rPr>
-              <a:t>.</a:t>
-            </a:r>
-            <a:endParaRPr lang="en-US" sz="1400" dirty="0">
-              <a:solidFill>
-                <a:schemeClr val="tx1">
-                  <a:lumMod val="50000"/>
-                  <a:lumOff val="50000"/>
-                </a:schemeClr>
-              </a:solidFill>
-              <a:latin typeface="+mj-lt"/>
-            </a:endParaRPr>
-          </a:p>
-        </p:txBody>
-      </p:sp>
-      <p:sp>
-        <p:nvSpPr>
-          <p:cNvPr id="5" name="Rectangle 4">
-            <a:extLst>
-              <a:ext uri="{FF2B5EF4-FFF2-40B4-BE49-F238E27FC236}">
-                <a16:creationId xmlns:a16="http://schemas.microsoft.com/office/drawing/2014/main" id="{0965A731-2830-4DB1-946A-F8C5C30B73DE}"/>
-              </a:ext>
-            </a:extLst>
-          </p:cNvPr>
-          <p:cNvSpPr/>
-          <p:nvPr/>
-        </p:nvSpPr>
-        <p:spPr>
-          <a:xfrm>
-            <a:off x="7576057" y="2277538"/>
-            <a:ext cx="1625600" cy="2085920"/>
-          </a:xfrm>
-          <a:prstGeom prst="rect">
-            <a:avLst/>
-          </a:prstGeom>
-          <a:ln>
-            <a:solidFill>
-              <a:schemeClr val="tx1">
-                <a:lumMod val="65000"/>
-                <a:lumOff val="35000"/>
-              </a:schemeClr>
-            </a:solidFill>
-          </a:ln>
-          <a:effectLst>
-            <a:outerShdw blurRad="50800" dist="38100" dir="2700000" algn="tl" rotWithShape="0">
-              <a:prstClr val="black">
-                <a:alpha val="40000"/>
-              </a:prstClr>
-            </a:outerShdw>
-          </a:effectLst>
-        </p:spPr>
-        <p:style>
-          <a:lnRef idx="2">
-            <a:schemeClr val="accent1"/>
-          </a:lnRef>
-          <a:fillRef idx="1">
-            <a:schemeClr val="lt1"/>
-          </a:fillRef>
-          <a:effectRef idx="0">
-            <a:schemeClr val="accent1"/>
-          </a:effectRef>
-          <a:fontRef idx="minor">
-            <a:schemeClr val="dk1"/>
-          </a:fontRef>
-        </p:style>
-        <p:txBody>
-          <a:bodyPr tIns="45720" rtlCol="0" anchor="t" anchorCtr="0"/>
-          <a:lstStyle/>
-          <a:p>
-            <a:pPr algn="ctr"/>
-            <a:r>
-              <a:rPr lang="en-US" dirty="0">
                 <a:latin typeface="Palatino Linotype" panose="02040502050505030304" pitchFamily="18" charset="0"/>
               </a:rPr>
-              <a:t>Maybe</a:t>
-            </a:r>
-            <a:endParaRPr lang="en-US" dirty="0"/>
-          </a:p>
-        </p:txBody>
-      </p:sp>
-      <p:sp>
-        <p:nvSpPr>
-          <p:cNvPr id="6" name="Rectangle 5">
-            <a:extLst>
-              <a:ext uri="{FF2B5EF4-FFF2-40B4-BE49-F238E27FC236}">
-                <a16:creationId xmlns:a16="http://schemas.microsoft.com/office/drawing/2014/main" id="{8D44F923-3D86-4908-97FD-125E9C627CB1}"/>
-              </a:ext>
-            </a:extLst>
-          </p:cNvPr>
-          <p:cNvSpPr/>
-          <p:nvPr/>
-        </p:nvSpPr>
-        <p:spPr>
-          <a:xfrm>
-            <a:off x="5283200" y="2277538"/>
-            <a:ext cx="1625600" cy="2085920"/>
-          </a:xfrm>
-          <a:prstGeom prst="rect">
-            <a:avLst/>
-          </a:prstGeom>
-          <a:ln>
-            <a:solidFill>
-              <a:schemeClr val="tx1">
-                <a:lumMod val="65000"/>
-                <a:lumOff val="35000"/>
-              </a:schemeClr>
-            </a:solidFill>
-          </a:ln>
-          <a:effectLst>
-            <a:outerShdw blurRad="50800" dist="38100" dir="2700000" algn="tl" rotWithShape="0">
-              <a:prstClr val="black">
-                <a:alpha val="40000"/>
-              </a:prstClr>
-            </a:outerShdw>
-          </a:effectLst>
-        </p:spPr>
-        <p:style>
-          <a:lnRef idx="2">
-            <a:schemeClr val="accent1"/>
-          </a:lnRef>
-          <a:fillRef idx="1">
-            <a:schemeClr val="lt1"/>
-          </a:fillRef>
-          <a:effectRef idx="0">
-            <a:schemeClr val="accent1"/>
-          </a:effectRef>
-          <a:fontRef idx="minor">
-            <a:schemeClr val="dk1"/>
-          </a:fontRef>
-        </p:style>
-        <p:txBody>
-          <a:bodyPr tIns="45720" rtlCol="0" anchor="t" anchorCtr="0"/>
-          <a:lstStyle/>
-          <a:p>
-            <a:pPr algn="ctr"/>
-            <a:r>
-              <a:rPr lang="en-US" dirty="0">
-                <a:latin typeface="Palatino Linotype" panose="02040502050505030304" pitchFamily="18" charset="0"/>
-              </a:rPr>
-              <a:t>No</a:t>
-            </a:r>
-            <a:endParaRPr lang="en-US" dirty="0"/>
-          </a:p>
-        </p:txBody>
-      </p:sp>
-      <p:sp>
-        <p:nvSpPr>
-          <p:cNvPr id="7" name="Rectangle 6">
-            <a:extLst>
-              <a:ext uri="{FF2B5EF4-FFF2-40B4-BE49-F238E27FC236}">
-                <a16:creationId xmlns:a16="http://schemas.microsoft.com/office/drawing/2014/main" id="{E37A3652-4D6A-4FD1-9302-CEAFE2DFAA06}"/>
-              </a:ext>
-            </a:extLst>
-          </p:cNvPr>
-          <p:cNvSpPr/>
-          <p:nvPr/>
-        </p:nvSpPr>
-        <p:spPr>
-          <a:xfrm>
-            <a:off x="3035300" y="2277538"/>
-            <a:ext cx="1625600" cy="2085920"/>
-          </a:xfrm>
-          <a:prstGeom prst="rect">
-            <a:avLst/>
-          </a:prstGeom>
-          <a:ln>
-            <a:solidFill>
-              <a:schemeClr val="tx1">
-                <a:lumMod val="65000"/>
-                <a:lumOff val="35000"/>
-              </a:schemeClr>
-            </a:solidFill>
-          </a:ln>
-          <a:effectLst>
-            <a:outerShdw blurRad="50800" dist="38100" dir="2700000" algn="tl" rotWithShape="0">
-              <a:prstClr val="black">
-                <a:alpha val="40000"/>
-              </a:prstClr>
-            </a:outerShdw>
-          </a:effectLst>
-        </p:spPr>
-        <p:style>
-          <a:lnRef idx="2">
-            <a:schemeClr val="accent1"/>
-          </a:lnRef>
-          <a:fillRef idx="1">
-            <a:schemeClr val="lt1"/>
-          </a:fillRef>
-          <a:effectRef idx="0">
-            <a:schemeClr val="accent1"/>
-          </a:effectRef>
-          <a:fontRef idx="minor">
-            <a:schemeClr val="dk1"/>
-          </a:fontRef>
-        </p:style>
-        <p:txBody>
-          <a:bodyPr tIns="45720" rtlCol="0" anchor="t" anchorCtr="0"/>
-          <a:lstStyle/>
-          <a:p>
-            <a:pPr algn="ctr"/>
-            <a:r>
-              <a:rPr lang="en-US" dirty="0">
-                <a:latin typeface="Palatino Linotype" panose="02040502050505030304" pitchFamily="18" charset="0"/>
-              </a:rPr>
-              <a:t>Yes</a:t>
-            </a:r>
-            <a:endParaRPr lang="en-US" dirty="0"/>
-          </a:p>
-        </p:txBody>
-      </p:sp>
-      <p:pic>
-        <p:nvPicPr>
-          <p:cNvPr id="8" name="Picture 7">
-            <a:extLst>
-              <a:ext uri="{FF2B5EF4-FFF2-40B4-BE49-F238E27FC236}">
-                <a16:creationId xmlns:a16="http://schemas.microsoft.com/office/drawing/2014/main" id="{D73B00BA-7335-481C-AD2B-4C35C778514E}"/>
-              </a:ext>
-            </a:extLst>
-          </p:cNvPr>
-          <p:cNvPicPr>
-            <a:picLocks noChangeAspect="1" noChangeArrowheads="1"/>
-          </p:cNvPicPr>
-          <p:nvPr/>
-        </p:nvPicPr>
-        <p:blipFill>
-          <a:blip r:embed="rId3">
-            <a:extLst>
-              <a:ext uri="{28A0092B-C50C-407E-A947-70E740481C1C}">
-                <a14:useLocalDpi xmlns:a14="http://schemas.microsoft.com/office/drawing/2010/main" val="0"/>
-              </a:ext>
-            </a:extLst>
-          </a:blip>
-          <a:srcRect/>
-          <a:stretch>
-            <a:fillRect/>
-          </a:stretch>
-        </p:blipFill>
-        <p:spPr bwMode="auto">
-          <a:xfrm>
-            <a:off x="3135340" y="2716240"/>
-            <a:ext cx="1425520" cy="1425520"/>
-          </a:xfrm>
-          <a:prstGeom prst="rect">
-            <a:avLst/>
-          </a:prstGeom>
-          <a:noFill/>
-          <a:extLst>
-            <a:ext uri="{909E8E84-426E-40DD-AFC4-6F175D3DCCD1}">
-              <a14:hiddenFill xmlns:a14="http://schemas.microsoft.com/office/drawing/2010/main">
-                <a:solidFill>
-                  <a:srgbClr val="FFFFFF"/>
-                </a:solidFill>
-              </a14:hiddenFill>
-            </a:ext>
-          </a:extLst>
-        </p:spPr>
-      </p:pic>
-      <p:pic>
-        <p:nvPicPr>
-          <p:cNvPr id="9" name="Picture 8">
-            <a:extLst>
-              <a:ext uri="{FF2B5EF4-FFF2-40B4-BE49-F238E27FC236}">
-                <a16:creationId xmlns:a16="http://schemas.microsoft.com/office/drawing/2014/main" id="{34754185-F777-4356-BFC2-C893078EF8B3}"/>
-              </a:ext>
-            </a:extLst>
-          </p:cNvPr>
-          <p:cNvPicPr>
-            <a:picLocks noChangeAspect="1" noChangeArrowheads="1"/>
-          </p:cNvPicPr>
-          <p:nvPr/>
-        </p:nvPicPr>
-        <p:blipFill>
-          <a:blip r:embed="rId3">
-            <a:extLst>
-              <a:ext uri="{28A0092B-C50C-407E-A947-70E740481C1C}">
-                <a14:useLocalDpi xmlns:a14="http://schemas.microsoft.com/office/drawing/2010/main" val="0"/>
-              </a:ext>
-            </a:extLst>
-          </a:blip>
-          <a:srcRect/>
-          <a:stretch>
-            <a:fillRect/>
-          </a:stretch>
-        </p:blipFill>
-        <p:spPr bwMode="auto">
-          <a:xfrm>
-            <a:off x="5383240" y="2716240"/>
-            <a:ext cx="1425520" cy="1425520"/>
-          </a:xfrm>
-          <a:prstGeom prst="rect">
-            <a:avLst/>
-          </a:prstGeom>
-          <a:noFill/>
-          <a:extLst>
-            <a:ext uri="{909E8E84-426E-40DD-AFC4-6F175D3DCCD1}">
-              <a14:hiddenFill xmlns:a14="http://schemas.microsoft.com/office/drawing/2010/main">
-                <a:solidFill>
-                  <a:srgbClr val="FFFFFF"/>
-                </a:solidFill>
-              </a14:hiddenFill>
-            </a:ext>
-          </a:extLst>
-        </p:spPr>
-      </p:pic>
-      <p:pic>
-        <p:nvPicPr>
-          <p:cNvPr id="10" name="Picture 9">
-            <a:extLst>
-              <a:ext uri="{FF2B5EF4-FFF2-40B4-BE49-F238E27FC236}">
-                <a16:creationId xmlns:a16="http://schemas.microsoft.com/office/drawing/2014/main" id="{FCD018EA-1603-410F-ADB6-81AB20E56061}"/>
-              </a:ext>
-            </a:extLst>
-          </p:cNvPr>
-          <p:cNvPicPr>
-            <a:picLocks noChangeAspect="1" noChangeArrowheads="1"/>
-          </p:cNvPicPr>
-          <p:nvPr/>
-        </p:nvPicPr>
-        <p:blipFill>
-          <a:blip r:embed="rId3">
-            <a:extLst>
-              <a:ext uri="{28A0092B-C50C-407E-A947-70E740481C1C}">
-                <a14:useLocalDpi xmlns:a14="http://schemas.microsoft.com/office/drawing/2010/main" val="0"/>
-              </a:ext>
-            </a:extLst>
-          </a:blip>
-          <a:srcRect/>
-          <a:stretch>
-            <a:fillRect/>
-          </a:stretch>
-        </p:blipFill>
-        <p:spPr bwMode="auto">
-          <a:xfrm>
-            <a:off x="7676097" y="2716240"/>
-            <a:ext cx="1425520" cy="1425520"/>
-          </a:xfrm>
-          <a:prstGeom prst="rect">
-            <a:avLst/>
-          </a:prstGeom>
-          <a:noFill/>
-          <a:extLst>
-            <a:ext uri="{909E8E84-426E-40DD-AFC4-6F175D3DCCD1}">
-              <a14:hiddenFill xmlns:a14="http://schemas.microsoft.com/office/drawing/2010/main">
-                <a:solidFill>
-                  <a:srgbClr val="FFFFFF"/>
-                </a:solidFill>
-              </a14:hiddenFill>
-            </a:ext>
-          </a:extLst>
-        </p:spPr>
-      </p:pic>
+              <a:t>act on its recommendations?</a:t>
+            </a:r>
+          </a:p>
+        </p:txBody>
+      </p:sp>
     </p:spTree>
     <p:extLst>
       <p:ext uri="{BB962C8B-B14F-4D97-AF65-F5344CB8AC3E}">
@@ -15773,201 +15407,6 @@
           <a:chExt cx="0" cy="0"/>
         </a:xfrm>
       </p:grpSpPr>
-      <p:sp>
-        <p:nvSpPr>
-          <p:cNvPr id="9" name="Rectangle 8">
-            <a:extLst>
-              <a:ext uri="{FF2B5EF4-FFF2-40B4-BE49-F238E27FC236}">
-                <a16:creationId xmlns:a16="http://schemas.microsoft.com/office/drawing/2014/main" id="{B70B686E-852C-4E60-A05C-0CCB2FCC2206}"/>
-              </a:ext>
-            </a:extLst>
-          </p:cNvPr>
-          <p:cNvSpPr/>
-          <p:nvPr/>
-        </p:nvSpPr>
-        <p:spPr>
-          <a:xfrm>
-            <a:off x="7253262" y="3797186"/>
-            <a:ext cx="1625600" cy="907016"/>
-          </a:xfrm>
-          <a:prstGeom prst="rect">
-            <a:avLst/>
-          </a:prstGeom>
-          <a:ln>
-            <a:solidFill>
-              <a:schemeClr val="tx1">
-                <a:lumMod val="65000"/>
-                <a:lumOff val="35000"/>
-              </a:schemeClr>
-            </a:solidFill>
-          </a:ln>
-          <a:effectLst>
-            <a:outerShdw blurRad="50800" dist="38100" dir="2700000" algn="tl" rotWithShape="0">
-              <a:prstClr val="black">
-                <a:alpha val="40000"/>
-              </a:prstClr>
-            </a:outerShdw>
-          </a:effectLst>
-        </p:spPr>
-        <p:style>
-          <a:lnRef idx="2">
-            <a:schemeClr val="accent1"/>
-          </a:lnRef>
-          <a:fillRef idx="1">
-            <a:schemeClr val="lt1"/>
-          </a:fillRef>
-          <a:effectRef idx="0">
-            <a:schemeClr val="accent1"/>
-          </a:effectRef>
-          <a:fontRef idx="minor">
-            <a:schemeClr val="dk1"/>
-          </a:fontRef>
-        </p:style>
-        <p:txBody>
-          <a:bodyPr tIns="45720" rtlCol="0" anchor="t" anchorCtr="0"/>
-          <a:lstStyle/>
-          <a:p>
-            <a:pPr algn="ctr"/>
-            <a:r>
-              <a:rPr lang="en-US" dirty="0">
-                <a:latin typeface="Palatino Linotype" panose="02040502050505030304" pitchFamily="18" charset="0"/>
-              </a:rPr>
-              <a:t>Maybe</a:t>
-            </a:r>
-            <a:endParaRPr lang="en-US" dirty="0"/>
-          </a:p>
-        </p:txBody>
-      </p:sp>
-      <p:sp>
-        <p:nvSpPr>
-          <p:cNvPr id="8" name="Rectangle 7">
-            <a:extLst>
-              <a:ext uri="{FF2B5EF4-FFF2-40B4-BE49-F238E27FC236}">
-                <a16:creationId xmlns:a16="http://schemas.microsoft.com/office/drawing/2014/main" id="{5D152B19-BE45-425A-98CA-13C2BD7B2868}"/>
-              </a:ext>
-            </a:extLst>
-          </p:cNvPr>
-          <p:cNvSpPr/>
-          <p:nvPr/>
-        </p:nvSpPr>
-        <p:spPr>
-          <a:xfrm>
-            <a:off x="4960405" y="3797186"/>
-            <a:ext cx="1625600" cy="907016"/>
-          </a:xfrm>
-          <a:prstGeom prst="rect">
-            <a:avLst/>
-          </a:prstGeom>
-          <a:ln>
-            <a:solidFill>
-              <a:schemeClr val="tx1">
-                <a:lumMod val="65000"/>
-                <a:lumOff val="35000"/>
-              </a:schemeClr>
-            </a:solidFill>
-          </a:ln>
-          <a:effectLst>
-            <a:outerShdw blurRad="50800" dist="38100" dir="2700000" algn="tl" rotWithShape="0">
-              <a:prstClr val="black">
-                <a:alpha val="40000"/>
-              </a:prstClr>
-            </a:outerShdw>
-          </a:effectLst>
-        </p:spPr>
-        <p:style>
-          <a:lnRef idx="2">
-            <a:schemeClr val="accent1"/>
-          </a:lnRef>
-          <a:fillRef idx="1">
-            <a:schemeClr val="lt1"/>
-          </a:fillRef>
-          <a:effectRef idx="0">
-            <a:schemeClr val="accent1"/>
-          </a:effectRef>
-          <a:fontRef idx="minor">
-            <a:schemeClr val="dk1"/>
-          </a:fontRef>
-        </p:style>
-        <p:txBody>
-          <a:bodyPr tIns="45720" rtlCol="0" anchor="t" anchorCtr="0"/>
-          <a:lstStyle/>
-          <a:p>
-            <a:pPr algn="ctr"/>
-            <a:r>
-              <a:rPr lang="en-US" dirty="0">
-                <a:latin typeface="Palatino Linotype" panose="02040502050505030304" pitchFamily="18" charset="0"/>
-              </a:rPr>
-              <a:t>No</a:t>
-            </a:r>
-            <a:endParaRPr lang="en-US" dirty="0"/>
-          </a:p>
-        </p:txBody>
-      </p:sp>
-      <p:sp>
-        <p:nvSpPr>
-          <p:cNvPr id="2" name="Rectangle 1">
-            <a:extLst>
-              <a:ext uri="{FF2B5EF4-FFF2-40B4-BE49-F238E27FC236}">
-                <a16:creationId xmlns:a16="http://schemas.microsoft.com/office/drawing/2014/main" id="{796B247D-42CF-4169-8E49-0D0399F19725}"/>
-              </a:ext>
-            </a:extLst>
-          </p:cNvPr>
-          <p:cNvSpPr/>
-          <p:nvPr/>
-        </p:nvSpPr>
-        <p:spPr>
-          <a:xfrm>
-            <a:off x="2712505" y="3797186"/>
-            <a:ext cx="1625600" cy="907016"/>
-          </a:xfrm>
-          <a:prstGeom prst="rect">
-            <a:avLst/>
-          </a:prstGeom>
-          <a:ln>
-            <a:solidFill>
-              <a:schemeClr val="tx1">
-                <a:lumMod val="65000"/>
-                <a:lumOff val="35000"/>
-              </a:schemeClr>
-            </a:solidFill>
-          </a:ln>
-          <a:effectLst>
-            <a:outerShdw blurRad="50800" dist="38100" dir="2700000" algn="tl" rotWithShape="0">
-              <a:prstClr val="black">
-                <a:alpha val="40000"/>
-              </a:prstClr>
-            </a:outerShdw>
-          </a:effectLst>
-        </p:spPr>
-        <p:style>
-          <a:lnRef idx="2">
-            <a:schemeClr val="accent1"/>
-          </a:lnRef>
-          <a:fillRef idx="1">
-            <a:schemeClr val="lt1"/>
-          </a:fillRef>
-          <a:effectRef idx="0">
-            <a:schemeClr val="accent1"/>
-          </a:effectRef>
-          <a:fontRef idx="minor">
-            <a:schemeClr val="dk1"/>
-          </a:fontRef>
-        </p:style>
-        <p:txBody>
-          <a:bodyPr tIns="45720" rtlCol="0" anchor="t" anchorCtr="0"/>
-          <a:lstStyle/>
-          <a:p>
-            <a:pPr algn="ctr"/>
-            <a:r>
-              <a:rPr lang="en-US" dirty="0">
-                <a:latin typeface="Palatino Linotype" panose="02040502050505030304" pitchFamily="18" charset="0"/>
-              </a:rPr>
-              <a:t>Yes</a:t>
-            </a:r>
-            <a:endParaRPr lang="en-US" dirty="0"/>
-          </a:p>
-        </p:txBody>
-      </p:sp>
       <p:pic>
         <p:nvPicPr>
           <p:cNvPr id="11" name="Picture 10" descr="A picture containing text, clipart&#10;&#10;Description automatically generated">
@@ -16004,6 +15443,57 @@
           </a:prstGeom>
         </p:spPr>
       </p:pic>
+      <p:sp>
+        <p:nvSpPr>
+          <p:cNvPr id="6" name="TextBox 5">
+            <a:extLst>
+              <a:ext uri="{FF2B5EF4-FFF2-40B4-BE49-F238E27FC236}">
+                <a16:creationId xmlns:a16="http://schemas.microsoft.com/office/drawing/2014/main" id="{9598D031-5218-424B-BD18-EB908A069B38}"/>
+              </a:ext>
+            </a:extLst>
+          </p:cNvPr>
+          <p:cNvSpPr txBox="1"/>
+          <p:nvPr/>
+        </p:nvSpPr>
+        <p:spPr>
+          <a:xfrm>
+            <a:off x="0" y="3705603"/>
+            <a:ext cx="12192000" cy="584775"/>
+          </a:xfrm>
+          <a:prstGeom prst="rect">
+            <a:avLst/>
+          </a:prstGeom>
+          <a:noFill/>
+        </p:spPr>
+        <p:txBody>
+          <a:bodyPr wrap="square">
+            <a:spAutoFit/>
+          </a:bodyPr>
+          <a:lstStyle/>
+          <a:p>
+            <a:pPr algn="ctr" rtl="0">
+              <a:spcBef>
+                <a:spcPts val="1600"/>
+              </a:spcBef>
+              <a:spcAft>
+                <a:spcPts val="400"/>
+              </a:spcAft>
+            </a:pPr>
+            <a:r>
+              <a:rPr lang="en-US" sz="3200" dirty="0">
+                <a:solidFill>
+                  <a:schemeClr val="tx1">
+                    <a:lumMod val="65000"/>
+                    <a:lumOff val="35000"/>
+                  </a:schemeClr>
+                </a:solidFill>
+                <a:latin typeface="Palatino Linotype" panose="02040502050505030304" pitchFamily="18" charset="0"/>
+              </a:rPr>
+              <a:t>Would you work at a company like Affectiva?</a:t>
+            </a:r>
+          </a:p>
+        </p:txBody>
+      </p:sp>
     </p:spTree>
     <p:extLst>
       <p:ext uri="{BB962C8B-B14F-4D97-AF65-F5344CB8AC3E}">
